--- a/Mastering Supabase Session4.pptx
+++ b/Mastering Supabase Session4.pptx
@@ -18263,12 +18263,12 @@
             </a:pPr>
             <a:r>
               <a:rPr lang="en-US">
-                <a:hlinkClick r:id="rId3" tooltip="" action="ppaction://hlinkfile"/>
+                <a:hlinkClick r:id="rId3" action="ppaction://hlinkfile"/>
               </a:rPr>
               <a:t>w3schools regexp</a:t>
             </a:r>
             <a:endParaRPr lang="en-US">
-              <a:hlinkClick r:id="rId3" tooltip="" action="ppaction://hlinkfile"/>
+              <a:hlinkClick r:id="rId3" action="ppaction://hlinkfile"/>
             </a:endParaRPr>
           </a:p>
           <a:p>
@@ -18277,6 +18277,60 @@
                 <a:spcPct val="150000"/>
               </a:lnSpc>
             </a:pPr>
+            <a:r>
+              <a:rPr lang="en-US">
+                <a:hlinkClick r:id="rId4" action="ppaction://hlinkfile"/>
+              </a:rPr>
+              <a:t>status codes</a:t>
+            </a:r>
+            <a:endParaRPr lang="en-US">
+              <a:hlinkClick r:id="rId4" action="ppaction://hlinkfile"/>
+            </a:endParaRPr>
+          </a:p>
+          <a:p>
+            <a:pPr>
+              <a:lnSpc>
+                <a:spcPct val="150000"/>
+              </a:lnSpc>
+            </a:pPr>
+            <a:r>
+              <a:rPr lang="en-US">
+                <a:hlinkClick r:id="rId5" action="ppaction://hlinkfile"/>
+              </a:rPr>
+              <a:t>network protocols</a:t>
+            </a:r>
+            <a:endParaRPr lang="en-US">
+              <a:hlinkClick r:id="rId5" action="ppaction://hlinkfile"/>
+            </a:endParaRPr>
+          </a:p>
+          <a:p>
+            <a:pPr>
+              <a:lnSpc>
+                <a:spcPct val="150000"/>
+              </a:lnSpc>
+            </a:pPr>
+            <a:r>
+              <a:rPr lang="en-US">
+                <a:hlinkClick r:id="rId6" action="ppaction://hlinkfile"/>
+              </a:rPr>
+              <a:t>regex101 by Youssef Ayman</a:t>
+            </a:r>
+            <a:endParaRPr lang="en-US">
+              <a:hlinkClick r:id="rId6" action="ppaction://hlinkfile"/>
+            </a:endParaRPr>
+          </a:p>
+          <a:p>
+            <a:pPr>
+              <a:lnSpc>
+                <a:spcPct val="150000"/>
+              </a:lnSpc>
+            </a:pPr>
+            <a:r>
+              <a:rPr lang="en-US">
+                <a:hlinkClick r:id="rId7" action="ppaction://hlinkfile"/>
+              </a:rPr>
+              <a:t>regular expression regex by yousef aymen</a:t>
+            </a:r>
             <a:endParaRPr lang="en-US"/>
           </a:p>
         </p:txBody>
@@ -18287,7 +18341,7 @@
           <p:cNvSpPr txBox="1"/>
           <p:nvPr>
             <p:custDataLst>
-              <p:tags r:id="rId4"/>
+              <p:tags r:id="rId8"/>
             </p:custDataLst>
           </p:nvPr>
         </p:nvSpPr>
@@ -20116,7 +20170,7 @@
             </a:pPr>
             <a:r>
               <a:rPr lang="en-US" altLang="en-GB" sz="10000"/>
-              <a:t>See you next sesson</a:t>
+              <a:t>See you next session</a:t>
             </a:r>
             <a:r>
               <a:rPr lang="en-GB" sz="10000"/>

--- a/Mastering Supabase Session4.pptx
+++ b/Mastering Supabase Session4.pptx
@@ -53,10 +53,6 @@
     <p:embeddedFont>
       <p:font typeface="Homemade Apple" panose="02000000000000000000"/>
       <p:regular r:id="rId36"/>
-    </p:embeddedFont>
-    <p:embeddedFont>
-      <p:font typeface="Aldhabi" panose="01000000000000000000" charset="0"/>
-      <p:regular r:id="rId37"/>
     </p:embeddedFont>
   </p:embeddedFontLst>
   <p:defaultTextStyle>
@@ -18006,7 +18002,7 @@
           <a:p>
             <a:pPr lvl="0" algn="ctr"/>
             <a:r>
-              <a:rPr b="1" i="0">
+              <a:rPr b="1">
                 <a:ln w="28575" cap="flat" cmpd="sng">
                   <a:solidFill>
                     <a:schemeClr val="dk1"/>
@@ -18018,11 +18014,12 @@
                 </a:ln>
                 <a:noFill/>
                 <a:latin typeface="Calistoga"/>
+                <a:sym typeface="+mn-ea"/>
               </a:rPr>
               <a:t>0</a:t>
             </a:r>
             <a:r>
-              <a:rPr lang="ar-EG" b="1" i="0">
+              <a:rPr lang="en-US" b="1">
                 <a:ln w="28575" cap="flat" cmpd="sng">
                   <a:solidFill>
                     <a:schemeClr val="dk1"/>
@@ -18034,6 +18031,7 @@
                 </a:ln>
                 <a:noFill/>
                 <a:latin typeface="Calistoga"/>
+                <a:sym typeface="+mn-ea"/>
               </a:rPr>
               <a:t>4</a:t>
             </a:r>
@@ -21691,6 +21689,11 @@
             <a:r>
               <a:t>Auto-generated APIs in Supabase</a:t>
             </a:r>
+            <a:r>
+              <a:rPr lang="en-US"/>
+              <a:t>.</a:t>
+            </a:r>
+            <a:endParaRPr lang="en-US"/>
           </a:p>
         </p:txBody>
       </p:sp>
@@ -21965,6 +21968,11 @@
             <a:r>
               <a:t>Role-Based Access Control</a:t>
             </a:r>
+            <a:r>
+              <a:rPr lang="en-US"/>
+              <a:t>.</a:t>
+            </a:r>
+            <a:endParaRPr lang="en-US"/>
           </a:p>
         </p:txBody>
       </p:sp>
